--- a/design/presentation/Hang-Out-Kick-Off-Presentation.pptx
+++ b/design/presentation/Hang-Out-Kick-Off-Presentation.pptx
@@ -6,6 +6,11 @@
   </p:sldMasterIdLst>
   <p:sldIdLst>
     <p:sldId id="256" r:id="rId2"/>
+    <p:sldId id="257" r:id="rId3"/>
+    <p:sldId id="258" r:id="rId4"/>
+    <p:sldId id="259" r:id="rId5"/>
+    <p:sldId id="260" r:id="rId6"/>
+    <p:sldId id="261" r:id="rId7"/>
   </p:sldIdLst>
   <p:sldSz cx="12192000" cy="6858000"/>
   <p:notesSz cx="6858000" cy="9144000"/>
@@ -104,6 +109,11 @@
       </a:defRPr>
     </a:lvl9pPr>
   </p:defaultTextStyle>
+  <p:extLst>
+    <p:ext uri="{EFAFB233-063F-42B5-8137-9DF3F51BA10A}">
+      <p15:sldGuideLst xmlns:p15="http://schemas.microsoft.com/office/powerpoint/2012/main"/>
+    </p:ext>
+  </p:extLst>
 </p:presentation>
 </file>
 
@@ -2991,6 +3001,36 @@
           <a:chExt cx="0" cy="0"/>
         </a:xfrm>
       </p:grpSpPr>
+      <p:pic>
+        <p:nvPicPr>
+          <p:cNvPr id="2" name="Picture 1"/>
+          <p:cNvPicPr>
+            <a:picLocks noChangeAspect="1"/>
+          </p:cNvPicPr>
+          <p:nvPr/>
+        </p:nvPicPr>
+        <p:blipFill>
+          <a:blip r:embed="rId2" cstate="print">
+            <a:extLst>
+              <a:ext uri="{28A0092B-C50C-407E-A947-70E740481C1C}">
+                <a14:useLocalDpi xmlns:a14="http://schemas.microsoft.com/office/drawing/2010/main" val="0"/>
+              </a:ext>
+            </a:extLst>
+          </a:blip>
+          <a:stretch>
+            <a:fillRect/>
+          </a:stretch>
+        </p:blipFill>
+        <p:spPr>
+          <a:xfrm>
+            <a:off x="3198047" y="1400433"/>
+            <a:ext cx="5795907" cy="4057135"/>
+          </a:xfrm>
+          <a:prstGeom prst="rect">
+            <a:avLst/>
+          </a:prstGeom>
+        </p:spPr>
+      </p:pic>
     </p:spTree>
     <p:extLst>
       <p:ext uri="{BB962C8B-B14F-4D97-AF65-F5344CB8AC3E}">
@@ -3008,6 +3048,670 @@
       </p:par>
     </p:tnLst>
   </p:timing>
+</p:sld>
+</file>
+
+<file path=ppt/slides/slide2.xml><?xml version="1.0" encoding="utf-8"?>
+<p:sld xmlns:a="http://schemas.openxmlformats.org/drawingml/2006/main" xmlns:r="http://schemas.openxmlformats.org/officeDocument/2006/relationships" xmlns:p="http://schemas.openxmlformats.org/presentationml/2006/main">
+  <p:cSld>
+    <p:spTree>
+      <p:nvGrpSpPr>
+        <p:cNvPr id="1" name=""/>
+        <p:cNvGrpSpPr/>
+        <p:nvPr/>
+      </p:nvGrpSpPr>
+      <p:grpSpPr>
+        <a:xfrm>
+          <a:off x="0" y="0"/>
+          <a:ext cx="0" cy="0"/>
+          <a:chOff x="0" y="0"/>
+          <a:chExt cx="0" cy="0"/>
+        </a:xfrm>
+      </p:grpSpPr>
+      <p:pic>
+        <p:nvPicPr>
+          <p:cNvPr id="5" name="Picture 4"/>
+          <p:cNvPicPr>
+            <a:picLocks noChangeAspect="1"/>
+          </p:cNvPicPr>
+          <p:nvPr/>
+        </p:nvPicPr>
+        <p:blipFill>
+          <a:blip r:embed="rId2" cstate="print">
+            <a:extLst>
+              <a:ext uri="{28A0092B-C50C-407E-A947-70E740481C1C}">
+                <a14:useLocalDpi xmlns:a14="http://schemas.microsoft.com/office/drawing/2010/main" val="0"/>
+              </a:ext>
+            </a:extLst>
+          </a:blip>
+          <a:stretch>
+            <a:fillRect/>
+          </a:stretch>
+        </p:blipFill>
+        <p:spPr>
+          <a:xfrm>
+            <a:off x="3523227" y="1151238"/>
+            <a:ext cx="5145547" cy="4555524"/>
+          </a:xfrm>
+          <a:prstGeom prst="rect">
+            <a:avLst/>
+          </a:prstGeom>
+        </p:spPr>
+      </p:pic>
+    </p:spTree>
+    <p:extLst>
+      <p:ext uri="{BB962C8B-B14F-4D97-AF65-F5344CB8AC3E}">
+        <p14:creationId xmlns:p14="http://schemas.microsoft.com/office/powerpoint/2010/main" val="2186076486"/>
+      </p:ext>
+    </p:extLst>
+  </p:cSld>
+  <p:clrMapOvr>
+    <a:masterClrMapping/>
+  </p:clrMapOvr>
+</p:sld>
+</file>
+
+<file path=ppt/slides/slide3.xml><?xml version="1.0" encoding="utf-8"?>
+<p:sld xmlns:a="http://schemas.openxmlformats.org/drawingml/2006/main" xmlns:r="http://schemas.openxmlformats.org/officeDocument/2006/relationships" xmlns:p="http://schemas.openxmlformats.org/presentationml/2006/main">
+  <p:cSld>
+    <p:spTree>
+      <p:nvGrpSpPr>
+        <p:cNvPr id="1" name=""/>
+        <p:cNvGrpSpPr/>
+        <p:nvPr/>
+      </p:nvGrpSpPr>
+      <p:grpSpPr>
+        <a:xfrm>
+          <a:off x="0" y="0"/>
+          <a:ext cx="0" cy="0"/>
+          <a:chOff x="0" y="0"/>
+          <a:chExt cx="0" cy="0"/>
+        </a:xfrm>
+      </p:grpSpPr>
+      <p:sp>
+        <p:nvSpPr>
+          <p:cNvPr id="2" name="Title 1"/>
+          <p:cNvSpPr>
+            <a:spLocks noGrp="1"/>
+          </p:cNvSpPr>
+          <p:nvPr>
+            <p:ph type="title"/>
+          </p:nvPr>
+        </p:nvSpPr>
+        <p:spPr/>
+        <p:txBody>
+          <a:bodyPr/>
+          <a:lstStyle/>
+          <a:p>
+            <a:pPr algn="ctr"/>
+            <a:r>
+              <a:rPr lang="ro-RO" b="1" dirty="0" err="1" smtClean="0">
+                <a:effectLst>
+                  <a:outerShdw blurRad="38100" dist="38100" dir="2700000" algn="tl">
+                    <a:srgbClr val="000000">
+                      <a:alpha val="43137"/>
+                    </a:srgbClr>
+                  </a:outerShdw>
+                </a:effectLst>
+              </a:rPr>
+              <a:t>Initiating</a:t>
+            </a:r>
+            <a:r>
+              <a:rPr lang="ro-RO" b="1" dirty="0" smtClean="0">
+                <a:effectLst>
+                  <a:outerShdw blurRad="38100" dist="38100" dir="2700000" algn="tl">
+                    <a:srgbClr val="000000">
+                      <a:alpha val="43137"/>
+                    </a:srgbClr>
+                  </a:outerShdw>
+                </a:effectLst>
+              </a:rPr>
+              <a:t>  a </a:t>
+            </a:r>
+            <a:r>
+              <a:rPr lang="ro-RO" b="1" dirty="0" err="1" smtClean="0">
+                <a:effectLst>
+                  <a:outerShdw blurRad="38100" dist="38100" dir="2700000" algn="tl">
+                    <a:srgbClr val="000000">
+                      <a:alpha val="43137"/>
+                    </a:srgbClr>
+                  </a:outerShdw>
+                </a:effectLst>
+              </a:rPr>
+              <a:t>new</a:t>
+            </a:r>
+            <a:r>
+              <a:rPr lang="ro-RO" b="1" dirty="0" smtClean="0">
+                <a:effectLst>
+                  <a:outerShdw blurRad="38100" dist="38100" dir="2700000" algn="tl">
+                    <a:srgbClr val="000000">
+                      <a:alpha val="43137"/>
+                    </a:srgbClr>
+                  </a:outerShdw>
+                </a:effectLst>
+              </a:rPr>
+              <a:t> </a:t>
+            </a:r>
+            <a:r>
+              <a:rPr lang="ro-RO" b="1" dirty="0" err="1" smtClean="0">
+                <a:effectLst>
+                  <a:outerShdw blurRad="38100" dist="38100" dir="2700000" algn="tl">
+                    <a:srgbClr val="000000">
+                      <a:alpha val="43137"/>
+                    </a:srgbClr>
+                  </a:outerShdw>
+                </a:effectLst>
+              </a:rPr>
+              <a:t>activity</a:t>
+            </a:r>
+            <a:endParaRPr lang="en-US" b="1" dirty="0">
+              <a:effectLst>
+                <a:outerShdw blurRad="38100" dist="38100" dir="2700000" algn="tl">
+                  <a:srgbClr val="000000">
+                    <a:alpha val="43137"/>
+                  </a:srgbClr>
+                </a:outerShdw>
+              </a:effectLst>
+            </a:endParaRPr>
+          </a:p>
+        </p:txBody>
+      </p:sp>
+      <p:pic>
+        <p:nvPicPr>
+          <p:cNvPr id="4" name="Content Placeholder 3"/>
+          <p:cNvPicPr>
+            <a:picLocks noGrp="1" noChangeAspect="1"/>
+          </p:cNvPicPr>
+          <p:nvPr>
+            <p:ph idx="1"/>
+          </p:nvPr>
+        </p:nvPicPr>
+        <p:blipFill>
+          <a:blip r:embed="rId2">
+            <a:extLst>
+              <a:ext uri="{28A0092B-C50C-407E-A947-70E740481C1C}">
+                <a14:useLocalDpi xmlns:a14="http://schemas.microsoft.com/office/drawing/2010/main" val="0"/>
+              </a:ext>
+            </a:extLst>
+          </a:blip>
+          <a:stretch>
+            <a:fillRect/>
+          </a:stretch>
+        </p:blipFill>
+        <p:spPr>
+          <a:xfrm>
+            <a:off x="2719270" y="1825625"/>
+            <a:ext cx="6753460" cy="4351338"/>
+          </a:xfrm>
+          <a:prstGeom prst="round2DiagRect">
+            <a:avLst>
+              <a:gd name="adj1" fmla="val 16667"/>
+              <a:gd name="adj2" fmla="val 0"/>
+            </a:avLst>
+          </a:prstGeom>
+          <a:ln w="88900" cap="sq">
+            <a:solidFill>
+              <a:srgbClr val="FFFFFF"/>
+            </a:solidFill>
+            <a:miter lim="800000"/>
+          </a:ln>
+          <a:effectLst>
+            <a:outerShdw blurRad="254000" algn="tl" rotWithShape="0">
+              <a:srgbClr val="000000">
+                <a:alpha val="43000"/>
+              </a:srgbClr>
+            </a:outerShdw>
+          </a:effectLst>
+        </p:spPr>
+      </p:pic>
+    </p:spTree>
+    <p:extLst>
+      <p:ext uri="{BB962C8B-B14F-4D97-AF65-F5344CB8AC3E}">
+        <p14:creationId xmlns:p14="http://schemas.microsoft.com/office/powerpoint/2010/main" val="24548809"/>
+      </p:ext>
+    </p:extLst>
+  </p:cSld>
+  <p:clrMapOvr>
+    <a:masterClrMapping/>
+  </p:clrMapOvr>
+</p:sld>
+</file>
+
+<file path=ppt/slides/slide4.xml><?xml version="1.0" encoding="utf-8"?>
+<p:sld xmlns:a="http://schemas.openxmlformats.org/drawingml/2006/main" xmlns:r="http://schemas.openxmlformats.org/officeDocument/2006/relationships" xmlns:p="http://schemas.openxmlformats.org/presentationml/2006/main">
+  <p:cSld>
+    <p:spTree>
+      <p:nvGrpSpPr>
+        <p:cNvPr id="1" name=""/>
+        <p:cNvGrpSpPr/>
+        <p:nvPr/>
+      </p:nvGrpSpPr>
+      <p:grpSpPr>
+        <a:xfrm>
+          <a:off x="0" y="0"/>
+          <a:ext cx="0" cy="0"/>
+          <a:chOff x="0" y="0"/>
+          <a:chExt cx="0" cy="0"/>
+        </a:xfrm>
+      </p:grpSpPr>
+      <p:sp>
+        <p:nvSpPr>
+          <p:cNvPr id="2" name="Title 1"/>
+          <p:cNvSpPr>
+            <a:spLocks noGrp="1"/>
+          </p:cNvSpPr>
+          <p:nvPr>
+            <p:ph type="title"/>
+          </p:nvPr>
+        </p:nvSpPr>
+        <p:spPr/>
+        <p:txBody>
+          <a:bodyPr/>
+          <a:lstStyle/>
+          <a:p>
+            <a:pPr algn="ctr"/>
+            <a:r>
+              <a:rPr lang="ro-RO" b="1" dirty="0" err="1" smtClean="0">
+                <a:effectLst>
+                  <a:outerShdw blurRad="38100" dist="38100" dir="2700000" algn="tl">
+                    <a:srgbClr val="000000">
+                      <a:alpha val="43137"/>
+                    </a:srgbClr>
+                  </a:outerShdw>
+                </a:effectLst>
+              </a:rPr>
+              <a:t>Browse</a:t>
+            </a:r>
+            <a:r>
+              <a:rPr lang="ro-RO" b="1" dirty="0" smtClean="0">
+                <a:effectLst>
+                  <a:outerShdw blurRad="38100" dist="38100" dir="2700000" algn="tl">
+                    <a:srgbClr val="000000">
+                      <a:alpha val="43137"/>
+                    </a:srgbClr>
+                  </a:outerShdw>
+                </a:effectLst>
+              </a:rPr>
+              <a:t> </a:t>
+            </a:r>
+            <a:r>
+              <a:rPr lang="ro-RO" b="1" dirty="0" err="1" smtClean="0">
+                <a:effectLst>
+                  <a:outerShdw blurRad="38100" dist="38100" dir="2700000" algn="tl">
+                    <a:srgbClr val="000000">
+                      <a:alpha val="43137"/>
+                    </a:srgbClr>
+                  </a:outerShdw>
+                </a:effectLst>
+              </a:rPr>
+              <a:t>and</a:t>
+            </a:r>
+            <a:r>
+              <a:rPr lang="ro-RO" b="1" dirty="0" smtClean="0">
+                <a:effectLst>
+                  <a:outerShdw blurRad="38100" dist="38100" dir="2700000" algn="tl">
+                    <a:srgbClr val="000000">
+                      <a:alpha val="43137"/>
+                    </a:srgbClr>
+                  </a:outerShdw>
+                </a:effectLst>
+              </a:rPr>
+              <a:t> </a:t>
+            </a:r>
+            <a:r>
+              <a:rPr lang="ro-RO" b="1" dirty="0" err="1" smtClean="0">
+                <a:effectLst>
+                  <a:outerShdw blurRad="38100" dist="38100" dir="2700000" algn="tl">
+                    <a:srgbClr val="000000">
+                      <a:alpha val="43137"/>
+                    </a:srgbClr>
+                  </a:outerShdw>
+                </a:effectLst>
+              </a:rPr>
+              <a:t>Join</a:t>
+            </a:r>
+            <a:r>
+              <a:rPr lang="ro-RO" b="1" dirty="0" smtClean="0">
+                <a:effectLst>
+                  <a:outerShdw blurRad="38100" dist="38100" dir="2700000" algn="tl">
+                    <a:srgbClr val="000000">
+                      <a:alpha val="43137"/>
+                    </a:srgbClr>
+                  </a:outerShdw>
+                </a:effectLst>
+              </a:rPr>
+              <a:t> </a:t>
+            </a:r>
+            <a:r>
+              <a:rPr lang="ro-RO" b="1" dirty="0" err="1" smtClean="0">
+                <a:effectLst>
+                  <a:outerShdw blurRad="38100" dist="38100" dir="2700000" algn="tl">
+                    <a:srgbClr val="000000">
+                      <a:alpha val="43137"/>
+                    </a:srgbClr>
+                  </a:outerShdw>
+                </a:effectLst>
+              </a:rPr>
+              <a:t>activities</a:t>
+            </a:r>
+            <a:endParaRPr lang="en-US" dirty="0"/>
+          </a:p>
+        </p:txBody>
+      </p:sp>
+      <p:pic>
+        <p:nvPicPr>
+          <p:cNvPr id="4" name="Content Placeholder 3"/>
+          <p:cNvPicPr>
+            <a:picLocks noGrp="1" noChangeAspect="1"/>
+          </p:cNvPicPr>
+          <p:nvPr>
+            <p:ph idx="1"/>
+          </p:nvPr>
+        </p:nvPicPr>
+        <p:blipFill>
+          <a:blip r:embed="rId2">
+            <a:extLst>
+              <a:ext uri="{28A0092B-C50C-407E-A947-70E740481C1C}">
+                <a14:useLocalDpi xmlns:a14="http://schemas.microsoft.com/office/drawing/2010/main" val="0"/>
+              </a:ext>
+            </a:extLst>
+          </a:blip>
+          <a:stretch>
+            <a:fillRect/>
+          </a:stretch>
+        </p:blipFill>
+        <p:spPr>
+          <a:xfrm>
+            <a:off x="2509086" y="1825625"/>
+            <a:ext cx="7173827" cy="4351338"/>
+          </a:xfrm>
+          <a:prstGeom prst="round2DiagRect">
+            <a:avLst>
+              <a:gd name="adj1" fmla="val 16667"/>
+              <a:gd name="adj2" fmla="val 0"/>
+            </a:avLst>
+          </a:prstGeom>
+          <a:ln w="88900" cap="sq">
+            <a:solidFill>
+              <a:srgbClr val="FFFFFF"/>
+            </a:solidFill>
+            <a:miter lim="800000"/>
+          </a:ln>
+          <a:effectLst>
+            <a:outerShdw blurRad="254000" algn="tl" rotWithShape="0">
+              <a:srgbClr val="000000">
+                <a:alpha val="43000"/>
+              </a:srgbClr>
+            </a:outerShdw>
+          </a:effectLst>
+        </p:spPr>
+      </p:pic>
+    </p:spTree>
+    <p:extLst>
+      <p:ext uri="{BB962C8B-B14F-4D97-AF65-F5344CB8AC3E}">
+        <p14:creationId xmlns:p14="http://schemas.microsoft.com/office/powerpoint/2010/main" val="137593624"/>
+      </p:ext>
+    </p:extLst>
+  </p:cSld>
+  <p:clrMapOvr>
+    <a:masterClrMapping/>
+  </p:clrMapOvr>
+</p:sld>
+</file>
+
+<file path=ppt/slides/slide5.xml><?xml version="1.0" encoding="utf-8"?>
+<p:sld xmlns:a="http://schemas.openxmlformats.org/drawingml/2006/main" xmlns:r="http://schemas.openxmlformats.org/officeDocument/2006/relationships" xmlns:p="http://schemas.openxmlformats.org/presentationml/2006/main">
+  <p:cSld>
+    <p:spTree>
+      <p:nvGrpSpPr>
+        <p:cNvPr id="1" name=""/>
+        <p:cNvGrpSpPr/>
+        <p:nvPr/>
+      </p:nvGrpSpPr>
+      <p:grpSpPr>
+        <a:xfrm>
+          <a:off x="0" y="0"/>
+          <a:ext cx="0" cy="0"/>
+          <a:chOff x="0" y="0"/>
+          <a:chExt cx="0" cy="0"/>
+        </a:xfrm>
+      </p:grpSpPr>
+      <p:sp>
+        <p:nvSpPr>
+          <p:cNvPr id="2" name="Title 1"/>
+          <p:cNvSpPr>
+            <a:spLocks noGrp="1"/>
+          </p:cNvSpPr>
+          <p:nvPr>
+            <p:ph type="title"/>
+          </p:nvPr>
+        </p:nvSpPr>
+        <p:spPr/>
+        <p:txBody>
+          <a:bodyPr/>
+          <a:lstStyle/>
+          <a:p>
+            <a:pPr algn="ctr"/>
+            <a:r>
+              <a:rPr lang="ro-RO" b="1" dirty="0" err="1" smtClean="0">
+                <a:effectLst>
+                  <a:outerShdw blurRad="38100" dist="38100" dir="2700000" algn="tl">
+                    <a:srgbClr val="000000">
+                      <a:alpha val="43137"/>
+                    </a:srgbClr>
+                  </a:outerShdw>
+                </a:effectLst>
+              </a:rPr>
+              <a:t>Manage</a:t>
+            </a:r>
+            <a:r>
+              <a:rPr lang="ro-RO" b="1" dirty="0" smtClean="0">
+                <a:effectLst>
+                  <a:outerShdw blurRad="38100" dist="38100" dir="2700000" algn="tl">
+                    <a:srgbClr val="000000">
+                      <a:alpha val="43137"/>
+                    </a:srgbClr>
+                  </a:outerShdw>
+                </a:effectLst>
+              </a:rPr>
+              <a:t> </a:t>
+            </a:r>
+            <a:r>
+              <a:rPr lang="ro-RO" b="1" dirty="0" err="1">
+                <a:effectLst>
+                  <a:outerShdw blurRad="38100" dist="38100" dir="2700000" algn="tl">
+                    <a:srgbClr val="000000">
+                      <a:alpha val="43137"/>
+                    </a:srgbClr>
+                  </a:outerShdw>
+                </a:effectLst>
+              </a:rPr>
+              <a:t>activities</a:t>
+            </a:r>
+            <a:endParaRPr lang="en-US" dirty="0"/>
+          </a:p>
+        </p:txBody>
+      </p:sp>
+      <p:pic>
+        <p:nvPicPr>
+          <p:cNvPr id="4" name="Content Placeholder 3"/>
+          <p:cNvPicPr>
+            <a:picLocks noGrp="1" noChangeAspect="1"/>
+          </p:cNvPicPr>
+          <p:nvPr>
+            <p:ph idx="1"/>
+          </p:nvPr>
+        </p:nvPicPr>
+        <p:blipFill>
+          <a:blip r:embed="rId2">
+            <a:extLst>
+              <a:ext uri="{28A0092B-C50C-407E-A947-70E740481C1C}">
+                <a14:useLocalDpi xmlns:a14="http://schemas.microsoft.com/office/drawing/2010/main" val="0"/>
+              </a:ext>
+            </a:extLst>
+          </a:blip>
+          <a:stretch>
+            <a:fillRect/>
+          </a:stretch>
+        </p:blipFill>
+        <p:spPr>
+          <a:xfrm>
+            <a:off x="2427721" y="1825625"/>
+            <a:ext cx="7336557" cy="4351338"/>
+          </a:xfrm>
+          <a:prstGeom prst="round2DiagRect">
+            <a:avLst>
+              <a:gd name="adj1" fmla="val 16667"/>
+              <a:gd name="adj2" fmla="val 0"/>
+            </a:avLst>
+          </a:prstGeom>
+          <a:ln w="88900" cap="sq">
+            <a:solidFill>
+              <a:srgbClr val="FFFFFF"/>
+            </a:solidFill>
+            <a:miter lim="800000"/>
+          </a:ln>
+          <a:effectLst>
+            <a:outerShdw blurRad="254000" algn="tl" rotWithShape="0">
+              <a:srgbClr val="000000">
+                <a:alpha val="43000"/>
+              </a:srgbClr>
+            </a:outerShdw>
+          </a:effectLst>
+        </p:spPr>
+      </p:pic>
+    </p:spTree>
+    <p:extLst>
+      <p:ext uri="{BB962C8B-B14F-4D97-AF65-F5344CB8AC3E}">
+        <p14:creationId xmlns:p14="http://schemas.microsoft.com/office/powerpoint/2010/main" val="3334784287"/>
+      </p:ext>
+    </p:extLst>
+  </p:cSld>
+  <p:clrMapOvr>
+    <a:masterClrMapping/>
+  </p:clrMapOvr>
+</p:sld>
+</file>
+
+<file path=ppt/slides/slide6.xml><?xml version="1.0" encoding="utf-8"?>
+<p:sld xmlns:a="http://schemas.openxmlformats.org/drawingml/2006/main" xmlns:r="http://schemas.openxmlformats.org/officeDocument/2006/relationships" xmlns:p="http://schemas.openxmlformats.org/presentationml/2006/main">
+  <p:cSld>
+    <p:spTree>
+      <p:nvGrpSpPr>
+        <p:cNvPr id="1" name=""/>
+        <p:cNvGrpSpPr/>
+        <p:nvPr/>
+      </p:nvGrpSpPr>
+      <p:grpSpPr>
+        <a:xfrm>
+          <a:off x="0" y="0"/>
+          <a:ext cx="0" cy="0"/>
+          <a:chOff x="0" y="0"/>
+          <a:chExt cx="0" cy="0"/>
+        </a:xfrm>
+      </p:grpSpPr>
+      <p:sp>
+        <p:nvSpPr>
+          <p:cNvPr id="2" name="Title 1"/>
+          <p:cNvSpPr>
+            <a:spLocks noGrp="1"/>
+          </p:cNvSpPr>
+          <p:nvPr>
+            <p:ph type="ctrTitle"/>
+          </p:nvPr>
+        </p:nvSpPr>
+        <p:spPr/>
+        <p:txBody>
+          <a:bodyPr/>
+          <a:lstStyle/>
+          <a:p>
+            <a:pPr algn="ctr"/>
+            <a:r>
+              <a:rPr lang="ro-RO" b="1" dirty="0" err="1" smtClean="0">
+                <a:effectLst>
+                  <a:outerShdw blurRad="38100" dist="38100" dir="2700000" algn="tl">
+                    <a:srgbClr val="000000">
+                      <a:alpha val="43137"/>
+                    </a:srgbClr>
+                  </a:outerShdw>
+                </a:effectLst>
+              </a:rPr>
+              <a:t>Questions</a:t>
+            </a:r>
+            <a:r>
+              <a:rPr lang="ro-RO" b="1" dirty="0" smtClean="0">
+                <a:effectLst>
+                  <a:outerShdw blurRad="38100" dist="38100" dir="2700000" algn="tl">
+                    <a:srgbClr val="000000">
+                      <a:alpha val="43137"/>
+                    </a:srgbClr>
+                  </a:outerShdw>
+                </a:effectLst>
+              </a:rPr>
+              <a:t>?</a:t>
+            </a:r>
+            <a:endParaRPr lang="en-US" dirty="0"/>
+          </a:p>
+        </p:txBody>
+      </p:sp>
+      <p:sp>
+        <p:nvSpPr>
+          <p:cNvPr id="5" name="Subtitle 4"/>
+          <p:cNvSpPr>
+            <a:spLocks noGrp="1"/>
+          </p:cNvSpPr>
+          <p:nvPr>
+            <p:ph type="subTitle" idx="1"/>
+          </p:nvPr>
+        </p:nvSpPr>
+        <p:spPr/>
+        <p:txBody>
+          <a:bodyPr>
+            <a:normAutofit/>
+          </a:bodyPr>
+          <a:lstStyle/>
+          <a:p>
+            <a:r>
+              <a:rPr lang="ro-RO" dirty="0" smtClean="0"/>
+              <a:t>http://hang-out-with.us</a:t>
+            </a:r>
+          </a:p>
+          <a:p>
+            <a:r>
+              <a:rPr lang="ro-RO" dirty="0"/>
+              <a:t>http://</a:t>
+            </a:r>
+            <a:r>
+              <a:rPr lang="ro-RO" dirty="0" smtClean="0"/>
+              <a:t>hang-out-with.me</a:t>
+            </a:r>
+            <a:endParaRPr lang="ro-RO" dirty="0"/>
+          </a:p>
+          <a:p>
+            <a:r>
+              <a:rPr lang="ro-RO" dirty="0" smtClean="0"/>
+              <a:t>https://</a:t>
+            </a:r>
+            <a:r>
+              <a:rPr lang="ro-RO" dirty="0"/>
+              <a:t>facebook.com/hangoutlikenothing</a:t>
+            </a:r>
+          </a:p>
+          <a:p>
+            <a:endParaRPr lang="ro-RO" dirty="0" smtClean="0"/>
+          </a:p>
+        </p:txBody>
+      </p:sp>
+    </p:spTree>
+    <p:extLst>
+      <p:ext uri="{BB962C8B-B14F-4D97-AF65-F5344CB8AC3E}">
+        <p14:creationId xmlns:p14="http://schemas.microsoft.com/office/powerpoint/2010/main" val="2826157370"/>
+      </p:ext>
+    </p:extLst>
+  </p:cSld>
+  <p:clrMapOvr>
+    <a:masterClrMapping/>
+  </p:clrMapOvr>
 </p:sld>
 </file>
 

--- a/design/presentation/Hang-Out-Kick-Off-Presentation.pptx
+++ b/design/presentation/Hang-Out-Kick-Off-Presentation.pptx
@@ -248,7 +248,7 @@
           <a:p>
             <a:fld id="{A1D2D800-C371-4416-9CDB-477A6A4D73DA}" type="datetimeFigureOut">
               <a:rPr lang="en-US" smtClean="0"/>
-              <a:t>12/11/2014</a:t>
+              <a:t>12/12/2014</a:t>
             </a:fld>
             <a:endParaRPr lang="en-US"/>
           </a:p>
@@ -425,7 +425,7 @@
           <a:p>
             <a:fld id="{A1D2D800-C371-4416-9CDB-477A6A4D73DA}" type="datetimeFigureOut">
               <a:rPr lang="en-US" smtClean="0"/>
-              <a:t>12/11/2014</a:t>
+              <a:t>12/12/2014</a:t>
             </a:fld>
             <a:endParaRPr lang="en-US"/>
           </a:p>
@@ -605,7 +605,7 @@
           <a:p>
             <a:fld id="{A1D2D800-C371-4416-9CDB-477A6A4D73DA}" type="datetimeFigureOut">
               <a:rPr lang="en-US" smtClean="0"/>
-              <a:t>12/11/2014</a:t>
+              <a:t>12/12/2014</a:t>
             </a:fld>
             <a:endParaRPr lang="en-US"/>
           </a:p>
@@ -775,7 +775,7 @@
           <a:p>
             <a:fld id="{A1D2D800-C371-4416-9CDB-477A6A4D73DA}" type="datetimeFigureOut">
               <a:rPr lang="en-US" smtClean="0"/>
-              <a:t>12/11/2014</a:t>
+              <a:t>12/12/2014</a:t>
             </a:fld>
             <a:endParaRPr lang="en-US"/>
           </a:p>
@@ -1021,7 +1021,7 @@
           <a:p>
             <a:fld id="{A1D2D800-C371-4416-9CDB-477A6A4D73DA}" type="datetimeFigureOut">
               <a:rPr lang="en-US" smtClean="0"/>
-              <a:t>12/11/2014</a:t>
+              <a:t>12/12/2014</a:t>
             </a:fld>
             <a:endParaRPr lang="en-US"/>
           </a:p>
@@ -1253,7 +1253,7 @@
           <a:p>
             <a:fld id="{A1D2D800-C371-4416-9CDB-477A6A4D73DA}" type="datetimeFigureOut">
               <a:rPr lang="en-US" smtClean="0"/>
-              <a:t>12/11/2014</a:t>
+              <a:t>12/12/2014</a:t>
             </a:fld>
             <a:endParaRPr lang="en-US"/>
           </a:p>
@@ -1620,7 +1620,7 @@
           <a:p>
             <a:fld id="{A1D2D800-C371-4416-9CDB-477A6A4D73DA}" type="datetimeFigureOut">
               <a:rPr lang="en-US" smtClean="0"/>
-              <a:t>12/11/2014</a:t>
+              <a:t>12/12/2014</a:t>
             </a:fld>
             <a:endParaRPr lang="en-US"/>
           </a:p>
@@ -1738,7 +1738,7 @@
           <a:p>
             <a:fld id="{A1D2D800-C371-4416-9CDB-477A6A4D73DA}" type="datetimeFigureOut">
               <a:rPr lang="en-US" smtClean="0"/>
-              <a:t>12/11/2014</a:t>
+              <a:t>12/12/2014</a:t>
             </a:fld>
             <a:endParaRPr lang="en-US"/>
           </a:p>
@@ -1833,7 +1833,7 @@
           <a:p>
             <a:fld id="{A1D2D800-C371-4416-9CDB-477A6A4D73DA}" type="datetimeFigureOut">
               <a:rPr lang="en-US" smtClean="0"/>
-              <a:t>12/11/2014</a:t>
+              <a:t>12/12/2014</a:t>
             </a:fld>
             <a:endParaRPr lang="en-US"/>
           </a:p>
@@ -2110,7 +2110,7 @@
           <a:p>
             <a:fld id="{A1D2D800-C371-4416-9CDB-477A6A4D73DA}" type="datetimeFigureOut">
               <a:rPr lang="en-US" smtClean="0"/>
-              <a:t>12/11/2014</a:t>
+              <a:t>12/12/2014</a:t>
             </a:fld>
             <a:endParaRPr lang="en-US"/>
           </a:p>
@@ -2363,7 +2363,7 @@
           <a:p>
             <a:fld id="{A1D2D800-C371-4416-9CDB-477A6A4D73DA}" type="datetimeFigureOut">
               <a:rPr lang="en-US" smtClean="0"/>
-              <a:t>12/11/2014</a:t>
+              <a:t>12/12/2014</a:t>
             </a:fld>
             <a:endParaRPr lang="en-US"/>
           </a:p>
@@ -2596,7 +2596,7 @@
           <a:p>
             <a:fld id="{A1D2D800-C371-4416-9CDB-477A6A4D73DA}" type="datetimeFigureOut">
               <a:rPr lang="en-US" smtClean="0"/>
-              <a:t>12/11/2014</a:t>
+              <a:t>12/12/2014</a:t>
             </a:fld>
             <a:endParaRPr lang="en-US"/>
           </a:p>
@@ -3667,7 +3667,7 @@
         <p:spPr/>
         <p:txBody>
           <a:bodyPr>
-            <a:normAutofit/>
+            <a:normAutofit lnSpcReduction="10000"/>
           </a:bodyPr>
           <a:lstStyle/>
           <a:p>
@@ -3693,9 +3693,16 @@
               <a:t>https://</a:t>
             </a:r>
             <a:r>
+              <a:rPr lang="ro-RO" dirty="0" smtClean="0"/>
+              <a:t>facebook.com/hangoutlikenothing</a:t>
+            </a:r>
+          </a:p>
+          <a:p>
+            <a:r>
               <a:rPr lang="ro-RO" dirty="0"/>
-              <a:t>facebook.com/hangoutlikenothing</a:t>
-            </a:r>
+              <a:t>https://twitter.com/hangoutwithus</a:t>
+            </a:r>
+            <a:endParaRPr lang="ro-RO" dirty="0"/>
           </a:p>
           <a:p>
             <a:endParaRPr lang="ro-RO" dirty="0" smtClean="0"/>
